--- a/presentation/Generative Design AI.pptx
+++ b/presentation/Generative Design AI.pptx
@@ -114,6 +114,11 @@
       </a:defRPr>
     </a:lvl9pPr>
   </p:defaultTextStyle>
+  <p:extLst>
+    <p:ext uri="{EFAFB233-063F-42B5-8137-9DF3F51BA10A}">
+      <p15:sldGuideLst xmlns:p15="http://schemas.microsoft.com/office/powerpoint/2012/main"/>
+    </p:ext>
+  </p:extLst>
 </p:presentation>
 </file>
 
@@ -3236,7 +3241,7 @@
         <a:lstStyle/>
         <a:p>
           <a:r>
-            <a:rPr lang="en-US"/>
+            <a:rPr lang="en-US" dirty="0"/>
             <a:t>Generative Design is the process of using software to create manufacturable parts meeting specific design criteria.</a:t>
           </a:r>
         </a:p>
@@ -3272,7 +3277,7 @@
         <a:lstStyle/>
         <a:p>
           <a:r>
-            <a:rPr lang="en-US"/>
+            <a:rPr lang="en-US" dirty="0"/>
             <a:t>Generative Design works through an iterate evolutionary process where the software explores possible permutations of the solution and learns from what works and what does not.</a:t>
           </a:r>
         </a:p>
@@ -3410,8 +3415,8 @@
         <a:lstStyle/>
         <a:p>
           <a:r>
-            <a:rPr lang="en-US"/>
-            <a:t>Variables: A beam, which consisted of two endpoints in space</a:t>
+            <a:rPr lang="en-US" dirty="0"/>
+            <a:t>Variables: A beam, which consisted of two endpoints in space.</a:t>
           </a:r>
         </a:p>
       </dgm:t>
@@ -3446,8 +3451,8 @@
         <a:lstStyle/>
         <a:p>
           <a:r>
-            <a:rPr lang="en-US"/>
-            <a:t>Domains: All pairs of points in a specified grid space </a:t>
+            <a:rPr lang="en-US" dirty="0"/>
+            <a:t>Domains: All pairs of points in a specified grid space.</a:t>
           </a:r>
         </a:p>
       </dgm:t>
@@ -3482,7 +3487,7 @@
         <a:lstStyle/>
         <a:p>
           <a:r>
-            <a:rPr lang="en-US"/>
+            <a:rPr lang="en-US" dirty="0"/>
             <a:t>Constraints:</a:t>
           </a:r>
         </a:p>
@@ -3518,7 +3523,7 @@
         <a:lstStyle/>
         <a:p>
           <a:r>
-            <a:rPr lang="en-US"/>
+            <a:rPr lang="en-US" dirty="0"/>
             <a:t>No point must exceed the displacement threshold under its own weight</a:t>
           </a:r>
         </a:p>
@@ -3554,7 +3559,7 @@
         <a:lstStyle/>
         <a:p>
           <a:r>
-            <a:rPr lang="en-US"/>
+            <a:rPr lang="en-US" dirty="0"/>
             <a:t>No free floating beams</a:t>
           </a:r>
         </a:p>
@@ -3590,7 +3595,7 @@
         <a:lstStyle/>
         <a:p>
           <a:r>
-            <a:rPr lang="en-US"/>
+            <a:rPr lang="en-US" dirty="0"/>
             <a:t>Minimum of one point must reside above the X-axis</a:t>
           </a:r>
         </a:p>
@@ -4091,7 +4096,7 @@
 <dgm:dataModel xmlns:dgm="http://schemas.openxmlformats.org/drawingml/2006/diagram" xmlns:a="http://schemas.openxmlformats.org/drawingml/2006/main">
   <dgm:ptLst>
     <dgm:pt modelId="{EC166560-DC39-4BDE-8319-7F49E75D7205}" type="doc">
-      <dgm:prSet loTypeId="urn:microsoft.com/office/officeart/2008/layout/LinedList" loCatId="list" qsTypeId="urn:microsoft.com/office/officeart/2005/8/quickstyle/simple1" qsCatId="simple" csTypeId="urn:microsoft.com/office/officeart/2005/8/colors/accent0_3" csCatId="mainScheme"/>
+      <dgm:prSet loTypeId="urn:microsoft.com/office/officeart/2008/layout/LinedList" loCatId="list" qsTypeId="urn:microsoft.com/office/officeart/2005/8/quickstyle/simple1" qsCatId="simple" csTypeId="urn:microsoft.com/office/officeart/2005/8/colors/accent0_3" csCatId="mainScheme" phldr="1"/>
       <dgm:spPr/>
       <dgm:t>
         <a:bodyPr/>
@@ -4109,7 +4114,7 @@
         <a:lstStyle/>
         <a:p>
           <a:r>
-            <a:rPr lang="en-US"/>
+            <a:rPr lang="en-US" dirty="0"/>
             <a:t>The algorithm to create domains was inefficient initially and we could not make anything with more than 4 beams.</a:t>
           </a:r>
         </a:p>
@@ -4145,7 +4150,7 @@
         <a:lstStyle/>
         <a:p>
           <a:r>
-            <a:rPr lang="en-US"/>
+            <a:rPr lang="en-US" dirty="0"/>
             <a:t>The domain required for Q-Learning was too large requiring a switch to using the normal equations and computing weights.</a:t>
           </a:r>
         </a:p>
@@ -4182,7 +4187,7 @@
         <a:p>
           <a:r>
             <a:rPr lang="en-US" dirty="0"/>
-            <a:t>Overlapping beams along the same line was stable but resulted in many structures that were just a flat line</a:t>
+            <a:t>Overlapping beams along the same line was stable but resulted in many structures that were just a flat line.</a:t>
           </a:r>
         </a:p>
       </dgm:t>
@@ -4375,7 +4380,7 @@
             <a:buNone/>
           </a:pPr>
           <a:r>
-            <a:rPr lang="en-US" sz="2900" kern="1200"/>
+            <a:rPr lang="en-US" sz="2900" kern="1200" dirty="0"/>
             <a:t>Generative Design is the process of using software to create manufacturable parts meeting specific design criteria.</a:t>
           </a:r>
         </a:p>
@@ -4453,7 +4458,7 @@
             <a:buNone/>
           </a:pPr>
           <a:r>
-            <a:rPr lang="en-US" sz="2900" kern="1200"/>
+            <a:rPr lang="en-US" sz="2900" kern="1200" dirty="0"/>
             <a:t>Generative Design works through an iterate evolutionary process where the software explores possible permutations of the solution and learns from what works and what does not.</a:t>
           </a:r>
         </a:p>
@@ -4621,8 +4626,8 @@
             <a:buNone/>
           </a:pPr>
           <a:r>
-            <a:rPr lang="en-US" sz="2600" kern="1200"/>
-            <a:t>Variables: A beam, which consisted of two endpoints in space</a:t>
+            <a:rPr lang="en-US" sz="2600" kern="1200" dirty="0"/>
+            <a:t>Variables: A beam, which consisted of two endpoints in space.</a:t>
           </a:r>
         </a:p>
       </dsp:txBody>
@@ -4699,8 +4704,8 @@
             <a:buNone/>
           </a:pPr>
           <a:r>
-            <a:rPr lang="en-US" sz="2600" kern="1200"/>
-            <a:t>Domains: All pairs of points in a specified grid space </a:t>
+            <a:rPr lang="en-US" sz="2600" kern="1200" dirty="0"/>
+            <a:t>Domains: All pairs of points in a specified grid space.</a:t>
           </a:r>
         </a:p>
       </dsp:txBody>
@@ -4777,7 +4782,7 @@
             <a:buNone/>
           </a:pPr>
           <a:r>
-            <a:rPr lang="en-US" sz="2600" kern="1200"/>
+            <a:rPr lang="en-US" sz="2600" kern="1200" dirty="0"/>
             <a:t>Constraints:</a:t>
           </a:r>
         </a:p>
@@ -4837,7 +4842,7 @@
             <a:buChar char="•"/>
           </a:pPr>
           <a:r>
-            <a:rPr lang="en-US" sz="2000" kern="1200"/>
+            <a:rPr lang="en-US" sz="2000" kern="1200" dirty="0"/>
             <a:t>No point must exceed the displacement threshold under its own weight</a:t>
           </a:r>
         </a:p>
@@ -4855,7 +4860,7 @@
             <a:buChar char="•"/>
           </a:pPr>
           <a:r>
-            <a:rPr lang="en-US" sz="2000" kern="1200"/>
+            <a:rPr lang="en-US" sz="2000" kern="1200" dirty="0"/>
             <a:t>No free floating beams</a:t>
           </a:r>
         </a:p>
@@ -4873,7 +4878,7 @@
             <a:buChar char="•"/>
           </a:pPr>
           <a:r>
-            <a:rPr lang="en-US" sz="2000" kern="1200"/>
+            <a:rPr lang="en-US" sz="2000" kern="1200" dirty="0"/>
             <a:t>Minimum of one point must reside above the X-axis</a:t>
           </a:r>
         </a:p>
@@ -5375,7 +5380,7 @@
             <a:buNone/>
           </a:pPr>
           <a:r>
-            <a:rPr lang="en-US" sz="3200" kern="1200"/>
+            <a:rPr lang="en-US" sz="3200" kern="1200" dirty="0"/>
             <a:t>The algorithm to create domains was inefficient initially and we could not make anything with more than 4 beams.</a:t>
           </a:r>
         </a:p>
@@ -5485,7 +5490,7 @@
             <a:buNone/>
           </a:pPr>
           <a:r>
-            <a:rPr lang="en-US" sz="3200" kern="1200"/>
+            <a:rPr lang="en-US" sz="3200" kern="1200" dirty="0"/>
             <a:t>The domain required for Q-Learning was too large requiring a switch to using the normal equations and computing weights.</a:t>
           </a:r>
         </a:p>
@@ -5596,7 +5601,7 @@
           </a:pPr>
           <a:r>
             <a:rPr lang="en-US" sz="3200" kern="1200" dirty="0"/>
-            <a:t>Overlapping beams along the same line was stable but resulted in many structures that were just a flat line</a:t>
+            <a:t>Overlapping beams along the same line was stable but resulted in many structures that were just a flat line.</a:t>
           </a:r>
         </a:p>
       </dsp:txBody>
@@ -10925,9 +10930,9 @@
           <a:p>
             <a:fld id="{D4F3FFEE-2EE5-4889-8DF2-28F312A923FA}" type="datetimeFigureOut">
               <a:rPr lang="en-US" smtClean="0"/>
-              <a:t>4/15/2019</a:t>
+              <a:t>4/16/2019</a:t>
             </a:fld>
-            <a:endParaRPr lang="en-US"/>
+            <a:endParaRPr lang="en-US" dirty="0"/>
           </a:p>
         </p:txBody>
       </p:sp>
@@ -10952,7 +10957,7 @@
           <a:bodyPr/>
           <a:lstStyle/>
           <a:p>
-            <a:endParaRPr lang="en-US"/>
+            <a:endParaRPr lang="en-US" dirty="0"/>
           </a:p>
         </p:txBody>
       </p:sp>
@@ -10981,7 +10986,7 @@
               <a:rPr lang="en-US" smtClean="0"/>
               <a:t>‹#›</a:t>
             </a:fld>
-            <a:endParaRPr lang="en-US"/>
+            <a:endParaRPr lang="en-US" dirty="0"/>
           </a:p>
         </p:txBody>
       </p:sp>
@@ -11123,9 +11128,9 @@
           <a:p>
             <a:fld id="{D4F3FFEE-2EE5-4889-8DF2-28F312A923FA}" type="datetimeFigureOut">
               <a:rPr lang="en-US" smtClean="0"/>
-              <a:t>4/15/2019</a:t>
+              <a:t>4/16/2019</a:t>
             </a:fld>
-            <a:endParaRPr lang="en-US"/>
+            <a:endParaRPr lang="en-US" dirty="0"/>
           </a:p>
         </p:txBody>
       </p:sp>
@@ -11150,7 +11155,7 @@
           <a:bodyPr/>
           <a:lstStyle/>
           <a:p>
-            <a:endParaRPr lang="en-US"/>
+            <a:endParaRPr lang="en-US" dirty="0"/>
           </a:p>
         </p:txBody>
       </p:sp>
@@ -11179,7 +11184,7 @@
               <a:rPr lang="en-US" smtClean="0"/>
               <a:t>‹#›</a:t>
             </a:fld>
-            <a:endParaRPr lang="en-US"/>
+            <a:endParaRPr lang="en-US" dirty="0"/>
           </a:p>
         </p:txBody>
       </p:sp>
@@ -11331,9 +11336,9 @@
           <a:p>
             <a:fld id="{D4F3FFEE-2EE5-4889-8DF2-28F312A923FA}" type="datetimeFigureOut">
               <a:rPr lang="en-US" smtClean="0"/>
-              <a:t>4/15/2019</a:t>
+              <a:t>4/16/2019</a:t>
             </a:fld>
-            <a:endParaRPr lang="en-US"/>
+            <a:endParaRPr lang="en-US" dirty="0"/>
           </a:p>
         </p:txBody>
       </p:sp>
@@ -11358,7 +11363,7 @@
           <a:bodyPr/>
           <a:lstStyle/>
           <a:p>
-            <a:endParaRPr lang="en-US"/>
+            <a:endParaRPr lang="en-US" dirty="0"/>
           </a:p>
         </p:txBody>
       </p:sp>
@@ -11387,7 +11392,7 @@
               <a:rPr lang="en-US" smtClean="0"/>
               <a:t>‹#›</a:t>
             </a:fld>
-            <a:endParaRPr lang="en-US"/>
+            <a:endParaRPr lang="en-US" dirty="0"/>
           </a:p>
         </p:txBody>
       </p:sp>
@@ -11529,9 +11534,9 @@
           <a:p>
             <a:fld id="{D4F3FFEE-2EE5-4889-8DF2-28F312A923FA}" type="datetimeFigureOut">
               <a:rPr lang="en-US" smtClean="0"/>
-              <a:t>4/15/2019</a:t>
+              <a:t>4/16/2019</a:t>
             </a:fld>
-            <a:endParaRPr lang="en-US"/>
+            <a:endParaRPr lang="en-US" dirty="0"/>
           </a:p>
         </p:txBody>
       </p:sp>
@@ -11556,7 +11561,7 @@
           <a:bodyPr/>
           <a:lstStyle/>
           <a:p>
-            <a:endParaRPr lang="en-US"/>
+            <a:endParaRPr lang="en-US" dirty="0"/>
           </a:p>
         </p:txBody>
       </p:sp>
@@ -11585,7 +11590,7 @@
               <a:rPr lang="en-US" smtClean="0"/>
               <a:t>‹#›</a:t>
             </a:fld>
-            <a:endParaRPr lang="en-US"/>
+            <a:endParaRPr lang="en-US" dirty="0"/>
           </a:p>
         </p:txBody>
       </p:sp>
@@ -11804,9 +11809,9 @@
           <a:p>
             <a:fld id="{D4F3FFEE-2EE5-4889-8DF2-28F312A923FA}" type="datetimeFigureOut">
               <a:rPr lang="en-US" smtClean="0"/>
-              <a:t>4/15/2019</a:t>
+              <a:t>4/16/2019</a:t>
             </a:fld>
-            <a:endParaRPr lang="en-US"/>
+            <a:endParaRPr lang="en-US" dirty="0"/>
           </a:p>
         </p:txBody>
       </p:sp>
@@ -11831,7 +11836,7 @@
           <a:bodyPr/>
           <a:lstStyle/>
           <a:p>
-            <a:endParaRPr lang="en-US"/>
+            <a:endParaRPr lang="en-US" dirty="0"/>
           </a:p>
         </p:txBody>
       </p:sp>
@@ -11860,7 +11865,7 @@
               <a:rPr lang="en-US" smtClean="0"/>
               <a:t>‹#›</a:t>
             </a:fld>
-            <a:endParaRPr lang="en-US"/>
+            <a:endParaRPr lang="en-US" dirty="0"/>
           </a:p>
         </p:txBody>
       </p:sp>
@@ -12069,9 +12074,9 @@
           <a:p>
             <a:fld id="{D4F3FFEE-2EE5-4889-8DF2-28F312A923FA}" type="datetimeFigureOut">
               <a:rPr lang="en-US" smtClean="0"/>
-              <a:t>4/15/2019</a:t>
+              <a:t>4/16/2019</a:t>
             </a:fld>
-            <a:endParaRPr lang="en-US"/>
+            <a:endParaRPr lang="en-US" dirty="0"/>
           </a:p>
         </p:txBody>
       </p:sp>
@@ -12096,7 +12101,7 @@
           <a:bodyPr/>
           <a:lstStyle/>
           <a:p>
-            <a:endParaRPr lang="en-US"/>
+            <a:endParaRPr lang="en-US" dirty="0"/>
           </a:p>
         </p:txBody>
       </p:sp>
@@ -12125,7 +12130,7 @@
               <a:rPr lang="en-US" smtClean="0"/>
               <a:t>‹#›</a:t>
             </a:fld>
-            <a:endParaRPr lang="en-US"/>
+            <a:endParaRPr lang="en-US" dirty="0"/>
           </a:p>
         </p:txBody>
       </p:sp>
@@ -12481,9 +12486,9 @@
           <a:p>
             <a:fld id="{D4F3FFEE-2EE5-4889-8DF2-28F312A923FA}" type="datetimeFigureOut">
               <a:rPr lang="en-US" smtClean="0"/>
-              <a:t>4/15/2019</a:t>
+              <a:t>4/16/2019</a:t>
             </a:fld>
-            <a:endParaRPr lang="en-US"/>
+            <a:endParaRPr lang="en-US" dirty="0"/>
           </a:p>
         </p:txBody>
       </p:sp>
@@ -12508,7 +12513,7 @@
           <a:bodyPr/>
           <a:lstStyle/>
           <a:p>
-            <a:endParaRPr lang="en-US"/>
+            <a:endParaRPr lang="en-US" dirty="0"/>
           </a:p>
         </p:txBody>
       </p:sp>
@@ -12537,7 +12542,7 @@
               <a:rPr lang="en-US" smtClean="0"/>
               <a:t>‹#›</a:t>
             </a:fld>
-            <a:endParaRPr lang="en-US"/>
+            <a:endParaRPr lang="en-US" dirty="0"/>
           </a:p>
         </p:txBody>
       </p:sp>
@@ -12622,9 +12627,9 @@
           <a:p>
             <a:fld id="{D4F3FFEE-2EE5-4889-8DF2-28F312A923FA}" type="datetimeFigureOut">
               <a:rPr lang="en-US" smtClean="0"/>
-              <a:t>4/15/2019</a:t>
+              <a:t>4/16/2019</a:t>
             </a:fld>
-            <a:endParaRPr lang="en-US"/>
+            <a:endParaRPr lang="en-US" dirty="0"/>
           </a:p>
         </p:txBody>
       </p:sp>
@@ -12649,7 +12654,7 @@
           <a:bodyPr/>
           <a:lstStyle/>
           <a:p>
-            <a:endParaRPr lang="en-US"/>
+            <a:endParaRPr lang="en-US" dirty="0"/>
           </a:p>
         </p:txBody>
       </p:sp>
@@ -12678,7 +12683,7 @@
               <a:rPr lang="en-US" smtClean="0"/>
               <a:t>‹#›</a:t>
             </a:fld>
-            <a:endParaRPr lang="en-US"/>
+            <a:endParaRPr lang="en-US" dirty="0"/>
           </a:p>
         </p:txBody>
       </p:sp>
@@ -12735,9 +12740,9 @@
           <a:p>
             <a:fld id="{D4F3FFEE-2EE5-4889-8DF2-28F312A923FA}" type="datetimeFigureOut">
               <a:rPr lang="en-US" smtClean="0"/>
-              <a:t>4/15/2019</a:t>
+              <a:t>4/16/2019</a:t>
             </a:fld>
-            <a:endParaRPr lang="en-US"/>
+            <a:endParaRPr lang="en-US" dirty="0"/>
           </a:p>
         </p:txBody>
       </p:sp>
@@ -12762,7 +12767,7 @@
           <a:bodyPr/>
           <a:lstStyle/>
           <a:p>
-            <a:endParaRPr lang="en-US"/>
+            <a:endParaRPr lang="en-US" dirty="0"/>
           </a:p>
         </p:txBody>
       </p:sp>
@@ -12791,7 +12796,7 @@
               <a:rPr lang="en-US" smtClean="0"/>
               <a:t>‹#›</a:t>
             </a:fld>
-            <a:endParaRPr lang="en-US"/>
+            <a:endParaRPr lang="en-US" dirty="0"/>
           </a:p>
         </p:txBody>
       </p:sp>
@@ -13046,9 +13051,9 @@
           <a:p>
             <a:fld id="{D4F3FFEE-2EE5-4889-8DF2-28F312A923FA}" type="datetimeFigureOut">
               <a:rPr lang="en-US" smtClean="0"/>
-              <a:t>4/15/2019</a:t>
+              <a:t>4/16/2019</a:t>
             </a:fld>
-            <a:endParaRPr lang="en-US"/>
+            <a:endParaRPr lang="en-US" dirty="0"/>
           </a:p>
         </p:txBody>
       </p:sp>
@@ -13073,7 +13078,7 @@
           <a:bodyPr/>
           <a:lstStyle/>
           <a:p>
-            <a:endParaRPr lang="en-US"/>
+            <a:endParaRPr lang="en-US" dirty="0"/>
           </a:p>
         </p:txBody>
       </p:sp>
@@ -13102,7 +13107,7 @@
               <a:rPr lang="en-US" smtClean="0"/>
               <a:t>‹#›</a:t>
             </a:fld>
-            <a:endParaRPr lang="en-US"/>
+            <a:endParaRPr lang="en-US" dirty="0"/>
           </a:p>
         </p:txBody>
       </p:sp>
@@ -13236,7 +13241,7 @@
             </a:lvl9pPr>
           </a:lstStyle>
           <a:p>
-            <a:endParaRPr lang="en-US"/>
+            <a:endParaRPr lang="en-US" dirty="0"/>
           </a:p>
         </p:txBody>
       </p:sp>
@@ -13334,9 +13339,9 @@
           <a:p>
             <a:fld id="{D4F3FFEE-2EE5-4889-8DF2-28F312A923FA}" type="datetimeFigureOut">
               <a:rPr lang="en-US" smtClean="0"/>
-              <a:t>4/15/2019</a:t>
+              <a:t>4/16/2019</a:t>
             </a:fld>
-            <a:endParaRPr lang="en-US"/>
+            <a:endParaRPr lang="en-US" dirty="0"/>
           </a:p>
         </p:txBody>
       </p:sp>
@@ -13361,7 +13366,7 @@
           <a:bodyPr/>
           <a:lstStyle/>
           <a:p>
-            <a:endParaRPr lang="en-US"/>
+            <a:endParaRPr lang="en-US" dirty="0"/>
           </a:p>
         </p:txBody>
       </p:sp>
@@ -13390,7 +13395,7 @@
               <a:rPr lang="en-US" smtClean="0"/>
               <a:t>‹#›</a:t>
             </a:fld>
-            <a:endParaRPr lang="en-US"/>
+            <a:endParaRPr lang="en-US" dirty="0"/>
           </a:p>
         </p:txBody>
       </p:sp>
@@ -13575,9 +13580,9 @@
           <a:p>
             <a:fld id="{D4F3FFEE-2EE5-4889-8DF2-28F312A923FA}" type="datetimeFigureOut">
               <a:rPr lang="en-US" smtClean="0"/>
-              <a:t>4/15/2019</a:t>
+              <a:t>4/16/2019</a:t>
             </a:fld>
-            <a:endParaRPr lang="en-US"/>
+            <a:endParaRPr lang="en-US" dirty="0"/>
           </a:p>
         </p:txBody>
       </p:sp>
@@ -13620,7 +13625,7 @@
             </a:lvl1pPr>
           </a:lstStyle>
           <a:p>
-            <a:endParaRPr lang="en-US"/>
+            <a:endParaRPr lang="en-US" dirty="0"/>
           </a:p>
         </p:txBody>
       </p:sp>
@@ -13667,7 +13672,7 @@
               <a:rPr lang="en-US" smtClean="0"/>
               <a:t>‹#›</a:t>
             </a:fld>
-            <a:endParaRPr lang="en-US"/>
+            <a:endParaRPr lang="en-US" dirty="0"/>
           </a:p>
         </p:txBody>
       </p:sp>
@@ -14059,7 +14064,7 @@
           <a:lstStyle/>
           <a:p>
             <a:pPr algn="ctr"/>
-            <a:endParaRPr lang="en-US"/>
+            <a:endParaRPr lang="en-US" dirty="0"/>
           </a:p>
         </p:txBody>
       </p:sp>
@@ -14125,7 +14130,7 @@
           <a:p>
             <a:pPr algn="l"/>
             <a:r>
-              <a:rPr lang="en-US" sz="8000">
+              <a:rPr lang="en-US" sz="8000" dirty="0">
                 <a:solidFill>
                   <a:srgbClr val="FFFFFF"/>
                 </a:solidFill>
@@ -14165,7 +14170,7 @@
           <a:p>
             <a:pPr algn="r"/>
             <a:r>
-              <a:rPr lang="en-US" sz="2800">
+              <a:rPr lang="en-US" sz="2800" dirty="0">
                 <a:solidFill>
                   <a:srgbClr val="FFFFFF"/>
                 </a:solidFill>
@@ -14286,8 +14291,8 @@
         </p:nvSpPr>
         <p:spPr>
           <a:xfrm>
-            <a:off x="804672" y="723578"/>
-            <a:ext cx="3387106" cy="1645501"/>
+            <a:off x="638640" y="187531"/>
+            <a:ext cx="3387106" cy="1002077"/>
           </a:xfrm>
         </p:spPr>
         <p:txBody>
@@ -14321,8 +14326,8 @@
         </p:nvSpPr>
         <p:spPr>
           <a:xfrm>
-            <a:off x="638641" y="2101520"/>
-            <a:ext cx="3387105" cy="4108465"/>
+            <a:off x="307827" y="1066578"/>
+            <a:ext cx="3922755" cy="5469684"/>
           </a:xfrm>
         </p:spPr>
         <p:txBody>
@@ -14333,13 +14338,19 @@
           <a:p>
             <a:r>
               <a:rPr lang="en-US" dirty="0"/>
-              <a:t>These are the results of structures found using random variable assignment</a:t>
+              <a:t>These are the results of structures found using random variable assignment.</a:t>
             </a:r>
           </a:p>
           <a:p>
             <a:r>
               <a:rPr lang="en-US" dirty="0"/>
               <a:t>There was no optimization here. These are all the first stable structures found.</a:t>
+            </a:r>
+          </a:p>
+          <a:p>
+            <a:r>
+              <a:rPr lang="en-US" dirty="0"/>
+              <a:t>Weights for the learning were computed but we have not yet  implemented the heuristic.</a:t>
             </a:r>
           </a:p>
         </p:txBody>
@@ -14514,7 +14525,7 @@
               <a:tabLst/>
               <a:defRPr/>
             </a:pPr>
-            <a:endParaRPr kumimoji="0" lang="en-US" sz="1800" b="0" i="0" u="none" strike="noStrike" kern="1200" cap="none" spc="0" normalizeH="0" baseline="0" noProof="0">
+            <a:endParaRPr kumimoji="0" lang="en-US" sz="1800" b="0" i="0" u="none" strike="noStrike" kern="1200" cap="none" spc="0" normalizeH="0" baseline="0" noProof="0" dirty="0">
               <a:ln>
                 <a:noFill/>
               </a:ln>
@@ -14637,7 +14648,7 @@
               <a:tabLst/>
               <a:defRPr/>
             </a:pPr>
-            <a:endParaRPr kumimoji="0" lang="en-US" sz="1800" b="0" i="0" u="none" strike="noStrike" kern="1200" cap="none" spc="0" normalizeH="0" baseline="0" noProof="0">
+            <a:endParaRPr kumimoji="0" lang="en-US" sz="1800" b="0" i="0" u="none" strike="noStrike" kern="1200" cap="none" spc="0" normalizeH="0" baseline="0" noProof="0" dirty="0">
               <a:ln>
                 <a:noFill/>
               </a:ln>
@@ -14760,7 +14771,7 @@
               <a:tabLst/>
               <a:defRPr/>
             </a:pPr>
-            <a:endParaRPr kumimoji="0" lang="en-US" sz="1800" b="0" i="0" u="none" strike="noStrike" kern="1200" cap="none" spc="0" normalizeH="0" baseline="0" noProof="0">
+            <a:endParaRPr kumimoji="0" lang="en-US" sz="1800" b="0" i="0" u="none" strike="noStrike" kern="1200" cap="none" spc="0" normalizeH="0" baseline="0" noProof="0" dirty="0">
               <a:ln>
                 <a:noFill/>
               </a:ln>
@@ -14883,7 +14894,7 @@
               <a:tabLst/>
               <a:defRPr/>
             </a:pPr>
-            <a:endParaRPr kumimoji="0" lang="en-US" sz="1800" b="0" i="0" u="none" strike="noStrike" kern="1200" cap="none" spc="0" normalizeH="0" baseline="0" noProof="0">
+            <a:endParaRPr kumimoji="0" lang="en-US" sz="1800" b="0" i="0" u="none" strike="noStrike" kern="1200" cap="none" spc="0" normalizeH="0" baseline="0" noProof="0" dirty="0">
               <a:ln>
                 <a:noFill/>
               </a:ln>
@@ -15022,7 +15033,7 @@
             <p:ph idx="1"/>
             <p:extLst>
               <p:ext uri="{D42A27DB-BD31-4B8C-83A1-F6EECF244321}">
-                <p14:modId xmlns:p14="http://schemas.microsoft.com/office/powerpoint/2010/main" val="3542479987"/>
+                <p14:modId xmlns:p14="http://schemas.microsoft.com/office/powerpoint/2010/main" val="396835667"/>
               </p:ext>
             </p:extLst>
           </p:nvPr>
@@ -15539,7 +15550,7 @@
               <a:tabLst/>
               <a:defRPr/>
             </a:pPr>
-            <a:endParaRPr kumimoji="0" lang="en-US" sz="1800" b="0" i="0" u="none" strike="noStrike" kern="1200" cap="none" spc="0" normalizeH="0" baseline="0" noProof="0">
+            <a:endParaRPr kumimoji="0" lang="en-US" sz="1800" b="0" i="0" u="none" strike="noStrike" kern="1200" cap="none" spc="0" normalizeH="0" baseline="0" noProof="0" dirty="0">
               <a:ln>
                 <a:noFill/>
               </a:ln>
@@ -15585,7 +15596,7 @@
           <a:lstStyle/>
           <a:p>
             <a:r>
-              <a:rPr lang="en-US">
+              <a:rPr lang="en-US" dirty="0">
                 <a:solidFill>
                   <a:srgbClr val="FFFFFF"/>
                 </a:solidFill>
@@ -15739,7 +15750,7 @@
               <a:tabLst/>
               <a:defRPr/>
             </a:pPr>
-            <a:endParaRPr kumimoji="0" lang="en-US" sz="1800" b="0" i="0" u="none" strike="noStrike" kern="1200" cap="none" spc="0" normalizeH="0" baseline="0" noProof="0">
+            <a:endParaRPr kumimoji="0" lang="en-US" sz="1800" b="0" i="0" u="none" strike="noStrike" kern="1200" cap="none" spc="0" normalizeH="0" baseline="0" noProof="0" dirty="0">
               <a:ln>
                 <a:noFill/>
               </a:ln>
@@ -15792,18 +15803,13 @@
           <a:p>
             <a:pPr algn="ctr"/>
             <a:r>
-              <a:rPr lang="en-US">
+              <a:rPr lang="en-US" dirty="0">
                 <a:solidFill>
                   <a:srgbClr val="FFFFFF"/>
                 </a:solidFill>
               </a:rPr>
               <a:t>Use In Industry: AirBus</a:t>
             </a:r>
-            <a:endParaRPr lang="en-US" dirty="0">
-              <a:solidFill>
-                <a:srgbClr val="FFFFFF"/>
-              </a:solidFill>
-            </a:endParaRPr>
           </a:p>
         </p:txBody>
       </p:sp>
@@ -15911,7 +15917,7 @@
               <a:tabLst/>
               <a:defRPr/>
             </a:pPr>
-            <a:endParaRPr kumimoji="0" lang="en-US" sz="1800" b="0" i="0" u="none" strike="noStrike" kern="1200" cap="none" spc="0" normalizeH="0" baseline="0" noProof="0">
+            <a:endParaRPr kumimoji="0" lang="en-US" sz="1800" b="0" i="0" u="none" strike="noStrike" kern="1200" cap="none" spc="0" normalizeH="0" baseline="0" noProof="0" dirty="0">
               <a:ln>
                 <a:noFill/>
               </a:ln>
@@ -15957,7 +15963,7 @@
           <a:lstStyle/>
           <a:p>
             <a:r>
-              <a:rPr lang="en-US">
+              <a:rPr lang="en-US" dirty="0">
                 <a:solidFill>
                   <a:srgbClr val="FFFFFF"/>
                 </a:solidFill>
@@ -15967,18 +15973,13 @@
           </a:p>
           <a:p>
             <a:r>
-              <a:rPr lang="en-US">
+              <a:rPr lang="en-US" dirty="0">
                 <a:solidFill>
                   <a:srgbClr val="FFFFFF"/>
                 </a:solidFill>
               </a:rPr>
               <a:t>These partitions were lighter and stronger, mimicking the growth patterns of slime mold and mammalian bones.</a:t>
             </a:r>
-            <a:endParaRPr lang="en-US" dirty="0">
-              <a:solidFill>
-                <a:srgbClr val="FFFFFF"/>
-              </a:solidFill>
-            </a:endParaRPr>
           </a:p>
         </p:txBody>
       </p:sp>
@@ -16080,7 +16081,7 @@
           <a:lstStyle/>
           <a:p>
             <a:pPr algn="ctr"/>
-            <a:endParaRPr lang="en-US"/>
+            <a:endParaRPr lang="en-US" dirty="0"/>
           </a:p>
         </p:txBody>
       </p:sp>
@@ -16120,7 +16121,7 @@
           <a:p>
             <a:pPr algn="ctr"/>
             <a:r>
-              <a:rPr lang="en-US" sz="2800">
+              <a:rPr lang="en-US" sz="2800" dirty="0">
                 <a:solidFill>
                   <a:schemeClr val="bg1"/>
                 </a:solidFill>
@@ -16167,7 +16168,7 @@
                   <a:schemeClr val="bg1"/>
                 </a:solidFill>
               </a:rPr>
-              <a:t>Create an algorithm to find a stable 2- dimensional structure that did not bend over a certain threshold under its own weight.</a:t>
+              <a:t>Create an algorithm to find a stable 2- dimensional structure that did not flex more than a certain threshold under its own weight.</a:t>
             </a:r>
           </a:p>
         </p:txBody>
@@ -16326,7 +16327,7 @@
           <a:p>
             <a:r>
               <a:rPr lang="en-US" dirty="0"/>
-              <a:t>Two points were kept fixed</a:t>
+              <a:t>Two points were kept fixed.</a:t>
             </a:r>
           </a:p>
         </p:txBody>
@@ -16390,7 +16391,7 @@
           <a:lstStyle/>
           <a:p>
             <a:pPr algn="ctr"/>
-            <a:endParaRPr lang="en-US"/>
+            <a:endParaRPr lang="en-US" dirty="0"/>
           </a:p>
         </p:txBody>
       </p:sp>
@@ -16926,7 +16927,7 @@
               <a:tabLst/>
               <a:defRPr/>
             </a:pPr>
-            <a:endParaRPr kumimoji="0" lang="en-US" sz="1800" b="0" i="0" u="none" strike="noStrike" kern="1200" cap="none" spc="0" normalizeH="0" baseline="0" noProof="0">
+            <a:endParaRPr kumimoji="0" lang="en-US" sz="1800" b="0" i="0" u="none" strike="noStrike" kern="1200" cap="none" spc="0" normalizeH="0" baseline="0" noProof="0" dirty="0">
               <a:ln>
                 <a:noFill/>
               </a:ln>
@@ -16998,7 +16999,7 @@
             <p:ph idx="1"/>
             <p:extLst>
               <p:ext uri="{D42A27DB-BD31-4B8C-83A1-F6EECF244321}">
-                <p14:modId xmlns:p14="http://schemas.microsoft.com/office/powerpoint/2010/main" val="3391696689"/>
+                <p14:modId xmlns:p14="http://schemas.microsoft.com/office/powerpoint/2010/main" val="3898387762"/>
               </p:ext>
             </p:extLst>
           </p:nvPr>
@@ -17241,7 +17242,7 @@
               <a:tabLst/>
               <a:defRPr/>
             </a:pPr>
-            <a:endParaRPr kumimoji="0" lang="en-US" sz="1800" b="0" i="0" u="none" strike="noStrike" kern="1200" cap="none" spc="0" normalizeH="0" baseline="0" noProof="0">
+            <a:endParaRPr kumimoji="0" lang="en-US" sz="1800" b="0" i="0" u="none" strike="noStrike" kern="1200" cap="none" spc="0" normalizeH="0" baseline="0" noProof="0" dirty="0">
               <a:ln>
                 <a:noFill/>
               </a:ln>
@@ -17408,7 +17409,7 @@
               <a:tabLst/>
               <a:defRPr/>
             </a:pPr>
-            <a:endParaRPr kumimoji="0" lang="en-US" sz="1800" b="0" i="0" u="none" strike="noStrike" kern="1200" cap="none" spc="0" normalizeH="0" baseline="0" noProof="0">
+            <a:endParaRPr kumimoji="0" lang="en-US" sz="1800" b="0" i="0" u="none" strike="noStrike" kern="1200" cap="none" spc="0" normalizeH="0" baseline="0" noProof="0" dirty="0">
               <a:ln>
                 <a:noFill/>
               </a:ln>
@@ -17498,14 +17499,14 @@
             <a:pPr lvl="1"/>
             <a:r>
               <a:rPr lang="en-US" sz="3000" dirty="0"/>
-              <a:t>Q Learning: Running the CSP to create matrices of transitions and rewards</a:t>
+              <a:t>Q Learning: Running the CSP to create matrices of transitions and rewards.</a:t>
             </a:r>
           </a:p>
           <a:p>
             <a:pPr lvl="1"/>
             <a:r>
               <a:rPr lang="en-US" sz="3000" dirty="0"/>
-              <a:t>Linear Regression: Using the normal equations to determine weights for a heuristic function</a:t>
+              <a:t>Linear Regression: Using the normal equations to determine weights for a heuristic function.</a:t>
             </a:r>
           </a:p>
           <a:p>
@@ -17672,7 +17673,7 @@
               <a:tabLst/>
               <a:defRPr/>
             </a:pPr>
-            <a:endParaRPr kumimoji="0" lang="en-US" sz="1800" b="0" i="0" u="none" strike="noStrike" kern="1200" cap="none" spc="0" normalizeH="0" baseline="0" noProof="0">
+            <a:endParaRPr kumimoji="0" lang="en-US" sz="1800" b="0" i="0" u="none" strike="noStrike" kern="1200" cap="none" spc="0" normalizeH="0" baseline="0" noProof="0" dirty="0">
               <a:ln>
                 <a:noFill/>
               </a:ln>
@@ -17845,7 +17846,7 @@
               <a:tabLst/>
               <a:defRPr/>
             </a:pPr>
-            <a:endParaRPr kumimoji="0" lang="en-US" sz="1800" b="0" i="0" u="none" strike="noStrike" kern="1200" cap="none" spc="0" normalizeH="0" baseline="0" noProof="0">
+            <a:endParaRPr kumimoji="0" lang="en-US" sz="1800" b="0" i="0" u="none" strike="noStrike" kern="1200" cap="none" spc="0" normalizeH="0" baseline="0" noProof="0" dirty="0">
               <a:ln>
                 <a:noFill/>
               </a:ln>
@@ -17992,7 +17993,7 @@
           <a:lstStyle/>
           <a:p>
             <a:pPr algn="ctr"/>
-            <a:endParaRPr lang="en-US"/>
+            <a:endParaRPr lang="en-US" dirty="0"/>
           </a:p>
         </p:txBody>
       </p:sp>
@@ -18118,7 +18119,7 @@
           <a:lstStyle/>
           <a:p>
             <a:pPr algn="ctr"/>
-            <a:endParaRPr lang="en-US"/>
+            <a:endParaRPr lang="en-US" dirty="0"/>
           </a:p>
         </p:txBody>
       </p:sp>
@@ -18228,7 +18229,7 @@
           <a:lstStyle/>
           <a:p>
             <a:pPr algn="ctr"/>
-            <a:endParaRPr lang="en-US"/>
+            <a:endParaRPr lang="en-US" dirty="0"/>
           </a:p>
         </p:txBody>
       </p:sp>
@@ -18261,10 +18262,9 @@
           <a:lstStyle/>
           <a:p>
             <a:r>
-              <a:rPr lang="en-US"/>
+              <a:rPr lang="en-US" dirty="0"/>
               <a:t>Learning</a:t>
             </a:r>
-            <a:endParaRPr lang="en-US" dirty="0"/>
           </a:p>
         </p:txBody>
       </p:sp>
@@ -18298,13 +18298,13 @@
           <a:p>
             <a:r>
               <a:rPr lang="en-US" sz="3200" dirty="0"/>
-              <a:t>We created a dataset of structures using our CSP with a random variable assignment</a:t>
+              <a:t>We created a dataset of structures using our CSP with a random variable assignment.</a:t>
             </a:r>
           </a:p>
           <a:p>
             <a:r>
               <a:rPr lang="en-US" sz="3200" dirty="0"/>
-              <a:t>The structures from the database were decomposed into substructures to train on and develop weights from to make better assignments</a:t>
+              <a:t>The structures from the database were decomposed into substructures to train on and develop weights from to make better assignments.</a:t>
             </a:r>
           </a:p>
           <a:p>
@@ -18913,7 +18913,7 @@
               <a:tabLst/>
               <a:defRPr/>
             </a:pPr>
-            <a:endParaRPr kumimoji="0" lang="en-US" sz="1800" b="0" i="0" u="none" strike="noStrike" kern="1200" cap="none" spc="0" normalizeH="0" baseline="0" noProof="0">
+            <a:endParaRPr kumimoji="0" lang="en-US" sz="1800" b="0" i="0" u="none" strike="noStrike" kern="1200" cap="none" spc="0" normalizeH="0" baseline="0" noProof="0" dirty="0">
               <a:ln>
                 <a:noFill/>
               </a:ln>
@@ -18986,7 +18986,7 @@
             <p:ph idx="1"/>
             <p:extLst>
               <p:ext uri="{D42A27DB-BD31-4B8C-83A1-F6EECF244321}">
-                <p14:modId xmlns:p14="http://schemas.microsoft.com/office/powerpoint/2010/main" val="2176543127"/>
+                <p14:modId xmlns:p14="http://schemas.microsoft.com/office/powerpoint/2010/main" val="695481458"/>
               </p:ext>
             </p:extLst>
           </p:nvPr>

--- a/presentation/Generative Design AI.pptx
+++ b/presentation/Generative Design AI.pptx
@@ -3223,7 +3223,7 @@
 <dgm:dataModel xmlns:dgm="http://schemas.openxmlformats.org/drawingml/2006/diagram" xmlns:a="http://schemas.openxmlformats.org/drawingml/2006/main">
   <dgm:ptLst>
     <dgm:pt modelId="{1807B56D-1254-4B60-A0CC-1962784D3416}" type="doc">
-      <dgm:prSet loTypeId="urn:microsoft.com/office/officeart/2005/8/layout/vList2" loCatId="list" qsTypeId="urn:microsoft.com/office/officeart/2005/8/quickstyle/simple1" qsCatId="simple" csTypeId="urn:microsoft.com/office/officeart/2005/8/colors/colorful5" csCatId="colorful"/>
+      <dgm:prSet loTypeId="urn:microsoft.com/office/officeart/2005/8/layout/vList2" loCatId="list" qsTypeId="urn:microsoft.com/office/officeart/2005/8/quickstyle/simple1" qsCatId="simple" csTypeId="urn:microsoft.com/office/officeart/2005/8/colors/colorful5" csCatId="colorful" phldr="1"/>
       <dgm:spPr/>
       <dgm:t>
         <a:bodyPr/>
@@ -3278,7 +3278,7 @@
         <a:p>
           <a:r>
             <a:rPr lang="en-US" dirty="0"/>
-            <a:t>Generative Design works through an iterate evolutionary process where the software explores possible permutations of the solution and learns from what works and what does not.</a:t>
+            <a:t>Generative Design works through an iterative evolutionary process where the software explores possible permutations of the solution and learns from what works and what does not.</a:t>
           </a:r>
         </a:p>
       </dgm:t>
@@ -4459,7 +4459,7 @@
           </a:pPr>
           <a:r>
             <a:rPr lang="en-US" sz="2900" kern="1200" dirty="0"/>
-            <a:t>Generative Design works through an iterate evolutionary process where the software explores possible permutations of the solution and learns from what works and what does not.</a:t>
+            <a:t>Generative Design works through an iterative evolutionary process where the software explores possible permutations of the solution and learns from what works and what does not.</a:t>
           </a:r>
         </a:p>
       </dsp:txBody>
@@ -15622,7 +15622,7 @@
             <p:ph idx="1"/>
             <p:extLst>
               <p:ext uri="{D42A27DB-BD31-4B8C-83A1-F6EECF244321}">
-                <p14:modId xmlns:p14="http://schemas.microsoft.com/office/powerpoint/2010/main" val="1315608859"/>
+                <p14:modId xmlns:p14="http://schemas.microsoft.com/office/powerpoint/2010/main" val="446553181"/>
               </p:ext>
             </p:extLst>
           </p:nvPr>
@@ -16195,7 +16195,7 @@
         </p:blipFill>
         <p:spPr>
           <a:xfrm>
-            <a:off x="5297764" y="1520971"/>
+            <a:off x="5297764" y="1442124"/>
             <a:ext cx="6250769" cy="3627226"/>
           </a:xfrm>
           <a:prstGeom prst="rect">
